--- a/Lectures/CS418-Lecture2-Webgl.pptx
+++ b/Lectures/CS418-Lecture2-Webgl.pptx
@@ -223,7 +223,7 @@
           <a:p>
             <a:fld id="{564DAAA6-4117-4992-859F-BAA0EB4FC72C}" type="datetimeFigureOut">
               <a:rPr lang="en-US" smtClean="0"/>
-              <a:t>1/17/2019</a:t>
+              <a:t>1/22/2020</a:t>
             </a:fld>
             <a:endParaRPr lang="en-US"/>
           </a:p>
@@ -623,7 +623,7 @@
           <a:p>
             <a:fld id="{CF64A208-0694-964E-93B1-EAF2C4DF2BAD}" type="datetimeFigureOut">
               <a:rPr lang="en-US" smtClean="0"/>
-              <a:t>1/17/2019</a:t>
+              <a:t>1/22/2020</a:t>
             </a:fld>
             <a:endParaRPr lang="en-US"/>
           </a:p>
@@ -830,7 +830,7 @@
             <a:fld id="{CF64A208-0694-964E-93B1-EAF2C4DF2BAD}" type="datetimeFigureOut">
               <a:rPr lang="en-US" smtClean="0"/>
               <a:pPr/>
-              <a:t>1/17/2019</a:t>
+              <a:t>1/22/2020</a:t>
             </a:fld>
             <a:endParaRPr lang="en-US" dirty="0"/>
           </a:p>
@@ -1060,7 +1060,7 @@
             <a:fld id="{CF64A208-0694-964E-93B1-EAF2C4DF2BAD}" type="datetimeFigureOut">
               <a:rPr lang="en-US" smtClean="0"/>
               <a:pPr/>
-              <a:t>1/17/2019</a:t>
+              <a:t>1/22/2020</a:t>
             </a:fld>
             <a:endParaRPr lang="en-US" dirty="0"/>
           </a:p>
@@ -1273,7 +1273,7 @@
           <a:p>
             <a:fld id="{CF64A208-0694-964E-93B1-EAF2C4DF2BAD}" type="datetimeFigureOut">
               <a:rPr lang="en-US" smtClean="0"/>
-              <a:t>1/17/2019</a:t>
+              <a:t>1/22/2020</a:t>
             </a:fld>
             <a:endParaRPr lang="en-US"/>
           </a:p>
@@ -1528,7 +1528,7 @@
             <a:fld id="{CF64A208-0694-964E-93B1-EAF2C4DF2BAD}" type="datetimeFigureOut">
               <a:rPr lang="en-US" smtClean="0"/>
               <a:pPr/>
-              <a:t>1/17/2019</a:t>
+              <a:t>1/22/2020</a:t>
             </a:fld>
             <a:endParaRPr lang="en-US" dirty="0"/>
           </a:p>
@@ -1828,7 +1828,7 @@
           <a:p>
             <a:fld id="{CF64A208-0694-964E-93B1-EAF2C4DF2BAD}" type="datetimeFigureOut">
               <a:rPr lang="en-US" smtClean="0"/>
-              <a:t>1/17/2019</a:t>
+              <a:t>1/22/2020</a:t>
             </a:fld>
             <a:endParaRPr lang="en-US"/>
           </a:p>
@@ -2261,7 +2261,7 @@
             <a:fld id="{CF64A208-0694-964E-93B1-EAF2C4DF2BAD}" type="datetimeFigureOut">
               <a:rPr lang="en-US" smtClean="0"/>
               <a:pPr/>
-              <a:t>1/17/2019</a:t>
+              <a:t>1/22/2020</a:t>
             </a:fld>
             <a:endParaRPr lang="en-US" dirty="0"/>
           </a:p>
@@ -2404,7 +2404,7 @@
             <a:fld id="{CF64A208-0694-964E-93B1-EAF2C4DF2BAD}" type="datetimeFigureOut">
               <a:rPr lang="en-US" smtClean="0"/>
               <a:pPr/>
-              <a:t>1/17/2019</a:t>
+              <a:t>1/22/2020</a:t>
             </a:fld>
             <a:endParaRPr lang="en-US" dirty="0"/>
           </a:p>
@@ -2519,7 +2519,7 @@
             <a:fld id="{CF64A208-0694-964E-93B1-EAF2C4DF2BAD}" type="datetimeFigureOut">
               <a:rPr lang="en-US" smtClean="0"/>
               <a:pPr/>
-              <a:t>1/17/2019</a:t>
+              <a:t>1/22/2020</a:t>
             </a:fld>
             <a:endParaRPr lang="en-US" dirty="0"/>
           </a:p>
@@ -2828,7 +2828,7 @@
             <a:fld id="{CF64A208-0694-964E-93B1-EAF2C4DF2BAD}" type="datetimeFigureOut">
               <a:rPr lang="en-US" smtClean="0"/>
               <a:pPr/>
-              <a:t>1/17/2019</a:t>
+              <a:t>1/22/2020</a:t>
             </a:fld>
             <a:endParaRPr lang="en-US" dirty="0"/>
           </a:p>
@@ -3109,7 +3109,7 @@
             <a:fld id="{CF64A208-0694-964E-93B1-EAF2C4DF2BAD}" type="datetimeFigureOut">
               <a:rPr lang="en-US" smtClean="0"/>
               <a:pPr/>
-              <a:t>1/17/2019</a:t>
+              <a:t>1/22/2020</a:t>
             </a:fld>
             <a:endParaRPr lang="en-US" dirty="0"/>
           </a:p>
@@ -3333,7 +3333,7 @@
           <a:p>
             <a:fld id="{CF64A208-0694-964E-93B1-EAF2C4DF2BAD}" type="datetimeFigureOut">
               <a:rPr lang="en-US" smtClean="0"/>
-              <a:t>1/17/2019</a:t>
+              <a:t>1/22/2020</a:t>
             </a:fld>
             <a:endParaRPr lang="en-US"/>
           </a:p>
@@ -6170,11 +6170,18 @@
               <a:t>call </a:t>
             </a:r>
             <a:r>
+              <a:rPr lang="en-US" sz="1600" spc="-5" dirty="0" err="1">
+                <a:latin typeface="Lato" panose="020F0502020204030203" pitchFamily="34" charset="0"/>
+                <a:cs typeface="Century Gothic"/>
+              </a:rPr>
+              <a:t>gl.bufferData</a:t>
+            </a:r>
+            <a:r>
               <a:rPr sz="1600" spc="-5" dirty="0">
                 <a:latin typeface="Lato" panose="020F0502020204030203" pitchFamily="34" charset="0"/>
                 <a:cs typeface="Century Gothic"/>
               </a:rPr>
-              <a:t>a magic function </a:t>
+              <a:t> </a:t>
             </a:r>
             <a:r>
               <a:rPr sz="1600" spc="-10" dirty="0">
@@ -6675,7 +6682,7 @@
         <p:spPr>
           <a:xfrm>
             <a:off x="5774635" y="1818861"/>
-            <a:ext cx="6167230" cy="3970318"/>
+            <a:ext cx="6167230" cy="4801314"/>
           </a:xfrm>
           <a:prstGeom prst="rect">
             <a:avLst/>
@@ -6707,19 +6714,7 @@
               <a:rPr lang="en-US" dirty="0">
                 <a:latin typeface="Lato" panose="020F0502020204030203" pitchFamily="34" charset="0"/>
               </a:rPr>
-              <a:t>method lets us tell </a:t>
-            </a:r>
-            <a:r>
-              <a:rPr lang="en-US" dirty="0" err="1">
-                <a:latin typeface="Lato" panose="020F0502020204030203" pitchFamily="34" charset="0"/>
-              </a:rPr>
-              <a:t>WebGLhow</a:t>
-            </a:r>
-            <a:r>
-              <a:rPr lang="en-US" dirty="0">
-                <a:latin typeface="Lato" panose="020F0502020204030203" pitchFamily="34" charset="0"/>
-              </a:rPr>
-              <a:t> to convert from </a:t>
+              <a:t>method lets us tell WebGL how to convert from </a:t>
             </a:r>
             <a:r>
               <a:rPr lang="en-US" i="1" dirty="0" err="1">
@@ -6769,7 +6764,7 @@
               <a:rPr lang="en-US" b="1" i="1" dirty="0">
                 <a:latin typeface="Lato" panose="020F0502020204030203" pitchFamily="34" charset="0"/>
               </a:rPr>
-              <a:t>Clear  </a:t>
+              <a:t>clear  </a:t>
             </a:r>
             <a:r>
               <a:rPr lang="en-US" dirty="0">
@@ -6839,7 +6834,20 @@
               <a:rPr lang="en-US" dirty="0">
                 <a:latin typeface="Lato" panose="020F0502020204030203" pitchFamily="34" charset="0"/>
               </a:rPr>
-              <a:t>….and then we draw.</a:t>
+              <a:t>….</a:t>
+            </a:r>
+          </a:p>
+          <a:p>
+            <a:endParaRPr lang="en-US" dirty="0">
+              <a:latin typeface="Lato" panose="020F0502020204030203" pitchFamily="34" charset="0"/>
+            </a:endParaRPr>
+          </a:p>
+          <a:p>
+            <a:r>
+              <a:rPr lang="en-US" dirty="0">
+                <a:latin typeface="Lato" panose="020F0502020204030203" pitchFamily="34" charset="0"/>
+              </a:rPr>
+              <a:t>And then we draw….meaning the data from buffers bound to shader attributes will sent to the GPU to be processed and we’ll see the pixel values they produce.</a:t>
             </a:r>
           </a:p>
         </p:txBody>

--- a/Lectures/CS418-Lecture2-Webgl.pptx
+++ b/Lectures/CS418-Lecture2-Webgl.pptx
@@ -8268,7 +8268,7 @@
         <p:spPr>
           <a:xfrm>
             <a:off x="796787" y="1592056"/>
-            <a:ext cx="10515600" cy="2249975"/>
+            <a:ext cx="10515600" cy="4660891"/>
           </a:xfrm>
           <a:prstGeom prst="rect">
             <a:avLst/>
@@ -8411,6 +8411,66 @@
               <a:rPr dirty="0"/>
               <a:t>triangles?</a:t>
             </a:r>
+            <a:endParaRPr lang="en-US" dirty="0"/>
+          </a:p>
+          <a:p>
+            <a:pPr marL="349250" indent="0">
+              <a:lnSpc>
+                <a:spcPct val="100000"/>
+              </a:lnSpc>
+              <a:buClr>
+                <a:srgbClr val="DF7601"/>
+              </a:buClr>
+              <a:buNone/>
+              <a:tabLst>
+                <a:tab pos="693420" algn="l"/>
+              </a:tabLst>
+            </a:pPr>
+            <a:endParaRPr lang="en-US" dirty="0"/>
+          </a:p>
+          <a:p>
+            <a:pPr marL="349250" indent="0">
+              <a:lnSpc>
+                <a:spcPct val="100000"/>
+              </a:lnSpc>
+              <a:buClr>
+                <a:srgbClr val="DF7601"/>
+              </a:buClr>
+              <a:buNone/>
+              <a:tabLst>
+                <a:tab pos="693420" algn="l"/>
+              </a:tabLst>
+            </a:pPr>
+            <a:r>
+              <a:rPr lang="en-US" dirty="0"/>
+              <a:t>Figure out what the coordinate system of the canvas is?</a:t>
+            </a:r>
+            <a:br>
+              <a:rPr lang="en-US" dirty="0"/>
+            </a:br>
+            <a:r>
+              <a:rPr lang="en-US" dirty="0"/>
+              <a:t>Where is the origin?</a:t>
+            </a:r>
+            <a:br>
+              <a:rPr lang="en-US" dirty="0"/>
+            </a:br>
+            <a:r>
+              <a:rPr lang="en-US" dirty="0"/>
+              <a:t>What are the coordinates of the bottom left corner?</a:t>
+            </a:r>
+            <a:br>
+              <a:rPr lang="en-US" dirty="0"/>
+            </a:br>
+            <a:r>
+              <a:rPr lang="en-US" dirty="0"/>
+              <a:t>What are the coordinates of the top </a:t>
+            </a:r>
+            <a:r>
+              <a:rPr lang="en-US"/>
+              <a:t>right corner?</a:t>
+            </a:r>
+            <a:endParaRPr lang="en-US" dirty="0"/>
           </a:p>
         </p:txBody>
       </p:sp>

--- a/Lectures/CS418-Lecture2-Webgl.pptx
+++ b/Lectures/CS418-Lecture2-Webgl.pptx
@@ -5,7 +5,7 @@
     <p:sldMasterId id="2147483648" r:id="rId1"/>
   </p:sldMasterIdLst>
   <p:notesMasterIdLst>
-    <p:notesMasterId r:id="rId18"/>
+    <p:notesMasterId r:id="rId19"/>
   </p:notesMasterIdLst>
   <p:sldIdLst>
     <p:sldId id="260" r:id="rId2"/>
@@ -22,8 +22,9 @@
     <p:sldId id="372" r:id="rId13"/>
     <p:sldId id="375" r:id="rId14"/>
     <p:sldId id="376" r:id="rId15"/>
-    <p:sldId id="373" r:id="rId16"/>
-    <p:sldId id="374" r:id="rId17"/>
+    <p:sldId id="377" r:id="rId16"/>
+    <p:sldId id="373" r:id="rId17"/>
+    <p:sldId id="374" r:id="rId18"/>
   </p:sldIdLst>
   <p:sldSz cx="12192000" cy="6858000"/>
   <p:notesSz cx="6858000" cy="9144000"/>
@@ -7689,7 +7690,7 @@
           <a:p>
             <a:r>
               <a:rPr lang="en-US" dirty="0"/>
-              <a:t>Start feeding the attribute from the data in the array</a:t>
+              <a:t>Bind the attribute to the data in the buffer</a:t>
             </a:r>
           </a:p>
         </p:txBody>
@@ -8086,6 +8087,148 @@
 </file>
 
 <file path=ppt/slides/slide15.xml><?xml version="1.0" encoding="utf-8"?>
+<p:sld xmlns:a="http://schemas.openxmlformats.org/drawingml/2006/main" xmlns:r="http://schemas.openxmlformats.org/officeDocument/2006/relationships" xmlns:p="http://schemas.openxmlformats.org/presentationml/2006/main">
+  <p:cSld>
+    <p:spTree>
+      <p:nvGrpSpPr>
+        <p:cNvPr id="1" name=""/>
+        <p:cNvGrpSpPr/>
+        <p:nvPr/>
+      </p:nvGrpSpPr>
+      <p:grpSpPr>
+        <a:xfrm>
+          <a:off x="0" y="0"/>
+          <a:ext cx="0" cy="0"/>
+          <a:chOff x="0" y="0"/>
+          <a:chExt cx="0" cy="0"/>
+        </a:xfrm>
+      </p:grpSpPr>
+      <p:sp>
+        <p:nvSpPr>
+          <p:cNvPr id="2" name="Title 1">
+            <a:extLst>
+              <a:ext uri="{FF2B5EF4-FFF2-40B4-BE49-F238E27FC236}">
+                <a16:creationId xmlns:a16="http://schemas.microsoft.com/office/drawing/2014/main" id="{56BF7C29-7004-4F18-BAB0-156675F8E0B1}"/>
+              </a:ext>
+            </a:extLst>
+          </p:cNvPr>
+          <p:cNvSpPr>
+            <a:spLocks noGrp="1"/>
+          </p:cNvSpPr>
+          <p:nvPr>
+            <p:ph type="title"/>
+          </p:nvPr>
+        </p:nvSpPr>
+        <p:spPr/>
+        <p:txBody>
+          <a:bodyPr/>
+          <a:lstStyle/>
+          <a:p>
+            <a:r>
+              <a:rPr lang="en-US" dirty="0"/>
+              <a:t>…a little more about attributes</a:t>
+            </a:r>
+          </a:p>
+        </p:txBody>
+      </p:sp>
+      <p:sp>
+        <p:nvSpPr>
+          <p:cNvPr id="3" name="Content Placeholder 2">
+            <a:extLst>
+              <a:ext uri="{FF2B5EF4-FFF2-40B4-BE49-F238E27FC236}">
+                <a16:creationId xmlns:a16="http://schemas.microsoft.com/office/drawing/2014/main" id="{D7F6DFF4-3D03-4424-A2B0-82971A6DE712}"/>
+              </a:ext>
+            </a:extLst>
+          </p:cNvPr>
+          <p:cNvSpPr>
+            <a:spLocks noGrp="1"/>
+          </p:cNvSpPr>
+          <p:nvPr>
+            <p:ph sz="half" idx="1"/>
+          </p:nvPr>
+        </p:nvSpPr>
+        <p:spPr>
+          <a:xfrm>
+            <a:off x="838200" y="1825625"/>
+            <a:ext cx="10778412" cy="4351338"/>
+          </a:xfrm>
+        </p:spPr>
+        <p:txBody>
+          <a:bodyPr/>
+          <a:lstStyle/>
+          <a:p>
+            <a:pPr marL="0" indent="0">
+              <a:buNone/>
+            </a:pPr>
+            <a:r>
+              <a:rPr lang="en-US" dirty="0"/>
+              <a:t>Your shader program can have multiple attribute variables</a:t>
+            </a:r>
+            <a:br>
+              <a:rPr lang="en-US" dirty="0"/>
+            </a:br>
+            <a:r>
+              <a:rPr lang="en-US" dirty="0"/>
+              <a:t>You need to bind each one to a buffer</a:t>
+            </a:r>
+          </a:p>
+          <a:p>
+            <a:pPr marL="0" indent="0">
+              <a:buNone/>
+            </a:pPr>
+            <a:r>
+              <a:rPr lang="en-US" dirty="0"/>
+              <a:t>For example:</a:t>
+            </a:r>
+          </a:p>
+        </p:txBody>
+      </p:sp>
+      <p:pic>
+        <p:nvPicPr>
+          <p:cNvPr id="5" name="Content Placeholder 4">
+            <a:extLst>
+              <a:ext uri="{FF2B5EF4-FFF2-40B4-BE49-F238E27FC236}">
+                <a16:creationId xmlns:a16="http://schemas.microsoft.com/office/drawing/2014/main" id="{80B08A2F-FB97-462D-AF73-AC20A958B6FC}"/>
+              </a:ext>
+            </a:extLst>
+          </p:cNvPr>
+          <p:cNvPicPr>
+            <a:picLocks noGrp="1" noChangeAspect="1"/>
+          </p:cNvPicPr>
+          <p:nvPr>
+            <p:ph sz="half" idx="2"/>
+          </p:nvPr>
+        </p:nvPicPr>
+        <p:blipFill>
+          <a:blip r:embed="rId2"/>
+          <a:stretch>
+            <a:fillRect/>
+          </a:stretch>
+        </p:blipFill>
+        <p:spPr>
+          <a:xfrm>
+            <a:off x="3121090" y="2754213"/>
+            <a:ext cx="5181600" cy="2494162"/>
+          </a:xfrm>
+          <a:prstGeom prst="rect">
+            <a:avLst/>
+          </a:prstGeom>
+        </p:spPr>
+      </p:pic>
+    </p:spTree>
+    <p:extLst>
+      <p:ext uri="{BB962C8B-B14F-4D97-AF65-F5344CB8AC3E}">
+        <p14:creationId xmlns:p14="http://schemas.microsoft.com/office/powerpoint/2010/main" val="4129985470"/>
+      </p:ext>
+    </p:extLst>
+  </p:cSld>
+  <p:clrMapOvr>
+    <a:masterClrMapping/>
+  </p:clrMapOvr>
+</p:sld>
+</file>
+
+<file path=ppt/slides/slide16.xml><?xml version="1.0" encoding="utf-8"?>
 <p:sld xmlns:a="http://schemas.openxmlformats.org/drawingml/2006/main" xmlns:r="http://schemas.openxmlformats.org/officeDocument/2006/relationships" xmlns:p="http://schemas.openxmlformats.org/presentationml/2006/main">
   <p:cSld>
     <p:spTree>
@@ -8185,7 +8328,7 @@
 </p:sld>
 </file>
 
-<file path=ppt/slides/slide16.xml><?xml version="1.0" encoding="utf-8"?>
+<file path=ppt/slides/slide17.xml><?xml version="1.0" encoding="utf-8"?>
 <p:sld xmlns:a="http://schemas.openxmlformats.org/drawingml/2006/main" xmlns:r="http://schemas.openxmlformats.org/officeDocument/2006/relationships" xmlns:p="http://schemas.openxmlformats.org/presentationml/2006/main">
   <p:cSld>
     <p:spTree>
@@ -8464,13 +8607,8 @@
             </a:br>
             <a:r>
               <a:rPr lang="en-US" dirty="0"/>
-              <a:t>What are the coordinates of the top </a:t>
-            </a:r>
-            <a:r>
-              <a:rPr lang="en-US"/>
-              <a:t>right corner?</a:t>
-            </a:r>
-            <a:endParaRPr lang="en-US" dirty="0"/>
+              <a:t>What are the coordinates of the top right corner?</a:t>
+            </a:r>
           </a:p>
         </p:txBody>
       </p:sp>
